--- a/Recommender system.pptx
+++ b/Recommender system.pptx
@@ -13,7 +13,7 @@
     <p:sldId id="261" r:id="rId7"/>
     <p:sldId id="262" r:id="rId8"/>
     <p:sldId id="264" r:id="rId9"/>
-    <p:sldId id="266" r:id="rId10"/>
+    <p:sldId id="267" r:id="rId10"/>
     <p:sldId id="265" r:id="rId11"/>
   </p:sldIdLst>
   <p:sldSz cx="12192000" cy="6858000"/>
@@ -113,6 +113,11 @@
       </a:defRPr>
     </a:lvl9pPr>
   </p:defaultTextStyle>
+  <p:extLst>
+    <p:ext uri="{EFAFB233-063F-42B5-8137-9DF3F51BA10A}">
+      <p15:sldGuideLst xmlns:p15="http://schemas.microsoft.com/office/powerpoint/2012/main"/>
+    </p:ext>
+  </p:extLst>
 </p:presentation>
 </file>
 
@@ -286,7 +291,7 @@
           <a:p>
             <a:fld id="{48A87A34-81AB-432B-8DAE-1953F412C126}" type="datetimeFigureOut">
               <a:rPr lang="en-US" dirty="0"/>
-              <a:t>03-Jun-18</a:t>
+              <a:t>6/6/2018</a:t>
             </a:fld>
             <a:endParaRPr lang="en-US" dirty="0"/>
           </a:p>
@@ -548,7 +553,7 @@
           <a:p>
             <a:fld id="{48A87A34-81AB-432B-8DAE-1953F412C126}" type="datetimeFigureOut">
               <a:rPr lang="en-US" dirty="0"/>
-              <a:t>03-Jun-18</a:t>
+              <a:t>6/6/2018</a:t>
             </a:fld>
             <a:endParaRPr lang="en-US" dirty="0"/>
           </a:p>
@@ -775,7 +780,7 @@
             <a:fld id="{48A87A34-81AB-432B-8DAE-1953F412C126}" type="datetimeFigureOut">
               <a:rPr lang="en-US" dirty="0"/>
               <a:pPr/>
-              <a:t>03-Jun-18</a:t>
+              <a:t>6/6/2018</a:t>
             </a:fld>
             <a:endParaRPr lang="en-US" dirty="0"/>
           </a:p>
@@ -1081,7 +1086,7 @@
             <a:fld id="{48A87A34-81AB-432B-8DAE-1953F412C126}" type="datetimeFigureOut">
               <a:rPr lang="en-US" dirty="0"/>
               <a:pPr/>
-              <a:t>03-Jun-18</a:t>
+              <a:t>6/6/2018</a:t>
             </a:fld>
             <a:endParaRPr lang="en-US" dirty="0"/>
           </a:p>
@@ -1550,7 +1555,7 @@
             <a:fld id="{48A87A34-81AB-432B-8DAE-1953F412C126}" type="datetimeFigureOut">
               <a:rPr lang="en-US" dirty="0"/>
               <a:pPr/>
-              <a:t>03-Jun-18</a:t>
+              <a:t>6/6/2018</a:t>
             </a:fld>
             <a:endParaRPr lang="en-US" dirty="0"/>
           </a:p>
@@ -2092,7 +2097,7 @@
           <a:p>
             <a:fld id="{48A87A34-81AB-432B-8DAE-1953F412C126}" type="datetimeFigureOut">
               <a:rPr lang="en-US" dirty="0"/>
-              <a:t>03-Jun-18</a:t>
+              <a:t>6/6/2018</a:t>
             </a:fld>
             <a:endParaRPr lang="en-US" dirty="0"/>
           </a:p>
@@ -2861,7 +2866,7 @@
           <a:p>
             <a:fld id="{48A87A34-81AB-432B-8DAE-1953F412C126}" type="datetimeFigureOut">
               <a:rPr lang="en-US" dirty="0"/>
-              <a:t>03-Jun-18</a:t>
+              <a:t>6/6/2018</a:t>
             </a:fld>
             <a:endParaRPr lang="en-US" dirty="0"/>
           </a:p>
@@ -3031,7 +3036,7 @@
           <a:p>
             <a:fld id="{48A87A34-81AB-432B-8DAE-1953F412C126}" type="datetimeFigureOut">
               <a:rPr lang="en-US" dirty="0"/>
-              <a:t>03-Jun-18</a:t>
+              <a:t>6/6/2018</a:t>
             </a:fld>
             <a:endParaRPr lang="en-US" dirty="0"/>
           </a:p>
@@ -3250,7 +3255,7 @@
             <a:fld id="{48A87A34-81AB-432B-8DAE-1953F412C126}" type="datetimeFigureOut">
               <a:rPr lang="en-US" dirty="0"/>
               <a:pPr/>
-              <a:t>03-Jun-18</a:t>
+              <a:t>6/6/2018</a:t>
             </a:fld>
             <a:endParaRPr lang="en-US" dirty="0"/>
           </a:p>
@@ -3425,7 +3430,7 @@
           <a:p>
             <a:fld id="{48A87A34-81AB-432B-8DAE-1953F412C126}" type="datetimeFigureOut">
               <a:rPr lang="en-US" dirty="0"/>
-              <a:t>03-Jun-18</a:t>
+              <a:t>6/6/2018</a:t>
             </a:fld>
             <a:endParaRPr lang="en-US" dirty="0"/>
           </a:p>
@@ -3710,7 +3715,7 @@
             <a:fld id="{48A87A34-81AB-432B-8DAE-1953F412C126}" type="datetimeFigureOut">
               <a:rPr lang="en-US" dirty="0"/>
               <a:pPr/>
-              <a:t>03-Jun-18</a:t>
+              <a:t>6/6/2018</a:t>
             </a:fld>
             <a:endParaRPr lang="en-US" dirty="0"/>
           </a:p>
@@ -3947,7 +3952,7 @@
           <a:p>
             <a:fld id="{48A87A34-81AB-432B-8DAE-1953F412C126}" type="datetimeFigureOut">
               <a:rPr lang="en-US" dirty="0"/>
-              <a:t>03-Jun-18</a:t>
+              <a:t>6/6/2018</a:t>
             </a:fld>
             <a:endParaRPr lang="en-US" dirty="0"/>
           </a:p>
@@ -4321,7 +4326,7 @@
           <a:p>
             <a:fld id="{48A87A34-81AB-432B-8DAE-1953F412C126}" type="datetimeFigureOut">
               <a:rPr lang="en-US" dirty="0"/>
-              <a:t>03-Jun-18</a:t>
+              <a:t>6/6/2018</a:t>
             </a:fld>
             <a:endParaRPr lang="en-US" dirty="0"/>
           </a:p>
@@ -4434,7 +4439,7 @@
           <a:p>
             <a:fld id="{48A87A34-81AB-432B-8DAE-1953F412C126}" type="datetimeFigureOut">
               <a:rPr lang="en-US" dirty="0"/>
-              <a:t>03-Jun-18</a:t>
+              <a:t>6/6/2018</a:t>
             </a:fld>
             <a:endParaRPr lang="en-US" dirty="0"/>
           </a:p>
@@ -4524,7 +4529,7 @@
           <a:p>
             <a:fld id="{48A87A34-81AB-432B-8DAE-1953F412C126}" type="datetimeFigureOut">
               <a:rPr lang="en-US" dirty="0"/>
-              <a:t>03-Jun-18</a:t>
+              <a:t>6/6/2018</a:t>
             </a:fld>
             <a:endParaRPr lang="en-US" dirty="0"/>
           </a:p>
@@ -4768,7 +4773,7 @@
           <a:p>
             <a:fld id="{48A87A34-81AB-432B-8DAE-1953F412C126}" type="datetimeFigureOut">
               <a:rPr lang="en-US" dirty="0"/>
-              <a:t>03-Jun-18</a:t>
+              <a:t>6/6/2018</a:t>
             </a:fld>
             <a:endParaRPr lang="en-US" dirty="0"/>
           </a:p>
@@ -5020,7 +5025,7 @@
           <a:p>
             <a:fld id="{48A87A34-81AB-432B-8DAE-1953F412C126}" type="datetimeFigureOut">
               <a:rPr lang="en-US" dirty="0"/>
-              <a:t>03-Jun-18</a:t>
+              <a:t>6/6/2018</a:t>
             </a:fld>
             <a:endParaRPr lang="en-US" dirty="0"/>
           </a:p>
@@ -5259,7 +5264,7 @@
             <a:fld id="{48A87A34-81AB-432B-8DAE-1953F412C126}" type="datetimeFigureOut">
               <a:rPr lang="en-US" dirty="0"/>
               <a:pPr/>
-              <a:t>03-Jun-18</a:t>
+              <a:t>6/6/2018</a:t>
             </a:fld>
             <a:endParaRPr lang="en-US" dirty="0"/>
           </a:p>
@@ -6378,6 +6383,20 @@
               <a:rPr lang="bs-Latn-BA" sz="2000" dirty="0"/>
               <a:t>Recommend tracks for given playlist</a:t>
             </a:r>
+            <a:endParaRPr lang="en-US" sz="2000" dirty="0"/>
+          </a:p>
+          <a:p>
+            <a:r>
+              <a:rPr lang="bs-Latn-BA" sz="2000" dirty="0">
+                <a:hlinkClick r:id="rId4"/>
+              </a:rPr>
+              <a:t>https://recsys-challenge.spotify.com/</a:t>
+            </a:r>
+            <a:r>
+              <a:rPr lang="en-US" sz="2000" dirty="0"/>
+              <a:t> </a:t>
+            </a:r>
+            <a:endParaRPr lang="bs-Latn-BA" sz="2000" dirty="0"/>
           </a:p>
           <a:p>
             <a:r>
@@ -6944,12 +6963,6 @@
             </a:r>
           </a:p>
           <a:p>
-            <a:r>
-              <a:rPr lang="bs-Latn-BA" sz="2000" dirty="0"/>
-              <a:t>How to solve these problems???</a:t>
-            </a:r>
-          </a:p>
-          <a:p>
             <a:endParaRPr lang="en-US" dirty="0"/>
           </a:p>
         </p:txBody>
@@ -7045,6 +7058,12 @@
             <a:r>
               <a:rPr lang="bs-Latn-BA" dirty="0"/>
               <a:t> based on Apache Lucene</a:t>
+            </a:r>
+          </a:p>
+          <a:p>
+            <a:r>
+              <a:rPr lang="bs-Latn-BA" dirty="0"/>
+              <a:t>Python</a:t>
             </a:r>
           </a:p>
           <a:p>
@@ -7932,7 +7951,7 @@
           <p:cNvPr id="2" name="Title 1">
             <a:extLst>
               <a:ext uri="{FF2B5EF4-FFF2-40B4-BE49-F238E27FC236}">
-                <a16:creationId xmlns:a16="http://schemas.microsoft.com/office/drawing/2014/main" id="{619D6742-8F03-4475-B877-B04CE4F1C1B6}"/>
+                <a16:creationId xmlns:a16="http://schemas.microsoft.com/office/drawing/2014/main" id="{4FE8B9D2-910F-40C9-8F59-4B6AE9B3B3AE}"/>
               </a:ext>
             </a:extLst>
           </p:cNvPr>
@@ -7957,7 +7976,7 @@
           <p:cNvPr id="3" name="Content Placeholder 2">
             <a:extLst>
               <a:ext uri="{FF2B5EF4-FFF2-40B4-BE49-F238E27FC236}">
-                <a16:creationId xmlns:a16="http://schemas.microsoft.com/office/drawing/2014/main" id="{CFE43095-D26D-42AA-A330-5E465142508A}"/>
+                <a16:creationId xmlns:a16="http://schemas.microsoft.com/office/drawing/2014/main" id="{C397BC22-B4A0-44D0-B567-14E15938C18B}"/>
               </a:ext>
             </a:extLst>
           </p:cNvPr>
@@ -7982,7 +8001,7 @@
           <p:cNvPr id="4" name="Picture 3">
             <a:extLst>
               <a:ext uri="{FF2B5EF4-FFF2-40B4-BE49-F238E27FC236}">
-                <a16:creationId xmlns:a16="http://schemas.microsoft.com/office/drawing/2014/main" id="{D4587170-7FA4-450D-9122-D9760D424D5B}"/>
+                <a16:creationId xmlns:a16="http://schemas.microsoft.com/office/drawing/2014/main" id="{6E2DCE8A-F9DE-4B27-B5F8-4FA6D11B4F5F}"/>
               </a:ext>
             </a:extLst>
           </p:cNvPr>
@@ -7999,8 +8018,8 @@
         </p:blipFill>
         <p:spPr>
           <a:xfrm>
-            <a:off x="0" y="-16496"/>
-            <a:ext cx="5660823" cy="6858000"/>
+            <a:off x="0" y="0"/>
+            <a:ext cx="7230201" cy="6858000"/>
           </a:xfrm>
           <a:prstGeom prst="rect">
             <a:avLst/>
@@ -8012,7 +8031,7 @@
           <p:cNvPr id="5" name="Picture 4">
             <a:extLst>
               <a:ext uri="{FF2B5EF4-FFF2-40B4-BE49-F238E27FC236}">
-                <a16:creationId xmlns:a16="http://schemas.microsoft.com/office/drawing/2014/main" id="{574F4580-5269-47A2-BE5E-9716EAB73EEA}"/>
+                <a16:creationId xmlns:a16="http://schemas.microsoft.com/office/drawing/2014/main" id="{649B5C6A-D241-45B9-9445-1B9727F379BB}"/>
               </a:ext>
             </a:extLst>
           </p:cNvPr>
@@ -8029,8 +8048,8 @@
         </p:blipFill>
         <p:spPr>
           <a:xfrm>
-            <a:off x="5153050" y="-16496"/>
-            <a:ext cx="7038950" cy="6858000"/>
+            <a:off x="6053936" y="0"/>
+            <a:ext cx="6117744" cy="6858000"/>
           </a:xfrm>
           <a:prstGeom prst="rect">
             <a:avLst/>
@@ -8042,7 +8061,7 @@
           <p:cNvPr id="6" name="Picture 5">
             <a:extLst>
               <a:ext uri="{FF2B5EF4-FFF2-40B4-BE49-F238E27FC236}">
-                <a16:creationId xmlns:a16="http://schemas.microsoft.com/office/drawing/2014/main" id="{65538B3D-497B-44A3-BA52-E7E7DB6941C1}"/>
+                <a16:creationId xmlns:a16="http://schemas.microsoft.com/office/drawing/2014/main" id="{EBCE604B-7CF1-4BDC-9044-5B51E986095C}"/>
               </a:ext>
             </a:extLst>
           </p:cNvPr>
@@ -8059,8 +8078,8 @@
         </p:blipFill>
         <p:spPr>
           <a:xfrm>
-            <a:off x="5153050" y="-16496"/>
-            <a:ext cx="7002189" cy="6858000"/>
+            <a:off x="5425808" y="0"/>
+            <a:ext cx="6670992" cy="7611047"/>
           </a:xfrm>
           <a:prstGeom prst="rect">
             <a:avLst/>
@@ -8070,7 +8089,7 @@
     </p:spTree>
     <p:extLst>
       <p:ext uri="{BB962C8B-B14F-4D97-AF65-F5344CB8AC3E}">
-        <p14:creationId xmlns:p14="http://schemas.microsoft.com/office/powerpoint/2010/main" val="1529909028"/>
+        <p14:creationId xmlns:p14="http://schemas.microsoft.com/office/powerpoint/2010/main" val="681893620"/>
       </p:ext>
     </p:extLst>
   </p:cSld>
@@ -8111,7 +8130,7 @@
                                           </p:stCondLst>
                                         </p:cTn>
                                         <p:tgtEl>
-                                          <p:spTgt spid="4"/>
+                                          <p:spTgt spid="5"/>
                                         </p:tgtEl>
                                         <p:attrNameLst>
                                           <p:attrName>style.visibility</p:attrName>
@@ -8151,51 +8170,6 @@
                                     <p:set>
                                       <p:cBhvr>
                                         <p:cTn id="10" dur="1" fill="hold">
-                                          <p:stCondLst>
-                                            <p:cond delay="0"/>
-                                          </p:stCondLst>
-                                        </p:cTn>
-                                        <p:tgtEl>
-                                          <p:spTgt spid="5"/>
-                                        </p:tgtEl>
-                                        <p:attrNameLst>
-                                          <p:attrName>style.visibility</p:attrName>
-                                        </p:attrNameLst>
-                                      </p:cBhvr>
-                                      <p:to>
-                                        <p:strVal val="visible"/>
-                                      </p:to>
-                                    </p:set>
-                                  </p:childTnLst>
-                                </p:cTn>
-                              </p:par>
-                            </p:childTnLst>
-                          </p:cTn>
-                        </p:par>
-                      </p:childTnLst>
-                    </p:cTn>
-                  </p:par>
-                  <p:par>
-                    <p:cTn id="11" fill="hold">
-                      <p:stCondLst>
-                        <p:cond delay="indefinite"/>
-                      </p:stCondLst>
-                      <p:childTnLst>
-                        <p:par>
-                          <p:cTn id="12" fill="hold">
-                            <p:stCondLst>
-                              <p:cond delay="0"/>
-                            </p:stCondLst>
-                            <p:childTnLst>
-                              <p:par>
-                                <p:cTn id="13" presetID="1" presetClass="entr" presetSubtype="0" fill="hold" nodeType="clickEffect">
-                                  <p:stCondLst>
-                                    <p:cond delay="0"/>
-                                  </p:stCondLst>
-                                  <p:childTnLst>
-                                    <p:set>
-                                      <p:cBhvr>
-                                        <p:cTn id="14" dur="1" fill="hold">
                                           <p:stCondLst>
                                             <p:cond delay="0"/>
                                           </p:stCondLst>
